--- a/src/lr6/РИЗ-130916у Савельев В.Н. Отчет о выполнении ЛР6.pptx
+++ b/src/lr6/РИЗ-130916у Савельев В.Н. Отчет о выполнении ЛР6.pptx
@@ -292,7 +292,7 @@
           <a:p>
             <a:fld id="{870F65BB-7DDC-4717-AF77-59A3293404C9}" type="datetimeFigureOut">
               <a:rPr lang="ru-RU" smtClean="0"/>
-              <a:t>05.12.2023</a:t>
+              <a:t>08.12.2023</a:t>
             </a:fld>
             <a:endParaRPr lang="ru-RU"/>
           </a:p>
@@ -490,7 +490,7 @@
           <a:p>
             <a:fld id="{870F65BB-7DDC-4717-AF77-59A3293404C9}" type="datetimeFigureOut">
               <a:rPr lang="ru-RU" smtClean="0"/>
-              <a:t>05.12.2023</a:t>
+              <a:t>08.12.2023</a:t>
             </a:fld>
             <a:endParaRPr lang="ru-RU"/>
           </a:p>
@@ -698,7 +698,7 @@
           <a:p>
             <a:fld id="{870F65BB-7DDC-4717-AF77-59A3293404C9}" type="datetimeFigureOut">
               <a:rPr lang="ru-RU" smtClean="0"/>
-              <a:t>05.12.2023</a:t>
+              <a:t>08.12.2023</a:t>
             </a:fld>
             <a:endParaRPr lang="ru-RU"/>
           </a:p>
@@ -896,7 +896,7 @@
           <a:p>
             <a:fld id="{870F65BB-7DDC-4717-AF77-59A3293404C9}" type="datetimeFigureOut">
               <a:rPr lang="ru-RU" smtClean="0"/>
-              <a:t>05.12.2023</a:t>
+              <a:t>08.12.2023</a:t>
             </a:fld>
             <a:endParaRPr lang="ru-RU"/>
           </a:p>
@@ -1171,7 +1171,7 @@
           <a:p>
             <a:fld id="{870F65BB-7DDC-4717-AF77-59A3293404C9}" type="datetimeFigureOut">
               <a:rPr lang="ru-RU" smtClean="0"/>
-              <a:t>05.12.2023</a:t>
+              <a:t>08.12.2023</a:t>
             </a:fld>
             <a:endParaRPr lang="ru-RU"/>
           </a:p>
@@ -1436,7 +1436,7 @@
           <a:p>
             <a:fld id="{870F65BB-7DDC-4717-AF77-59A3293404C9}" type="datetimeFigureOut">
               <a:rPr lang="ru-RU" smtClean="0"/>
-              <a:t>05.12.2023</a:t>
+              <a:t>08.12.2023</a:t>
             </a:fld>
             <a:endParaRPr lang="ru-RU"/>
           </a:p>
@@ -1848,7 +1848,7 @@
           <a:p>
             <a:fld id="{870F65BB-7DDC-4717-AF77-59A3293404C9}" type="datetimeFigureOut">
               <a:rPr lang="ru-RU" smtClean="0"/>
-              <a:t>05.12.2023</a:t>
+              <a:t>08.12.2023</a:t>
             </a:fld>
             <a:endParaRPr lang="ru-RU"/>
           </a:p>
@@ -1989,7 +1989,7 @@
           <a:p>
             <a:fld id="{870F65BB-7DDC-4717-AF77-59A3293404C9}" type="datetimeFigureOut">
               <a:rPr lang="ru-RU" smtClean="0"/>
-              <a:t>05.12.2023</a:t>
+              <a:t>08.12.2023</a:t>
             </a:fld>
             <a:endParaRPr lang="ru-RU"/>
           </a:p>
@@ -2102,7 +2102,7 @@
           <a:p>
             <a:fld id="{870F65BB-7DDC-4717-AF77-59A3293404C9}" type="datetimeFigureOut">
               <a:rPr lang="ru-RU" smtClean="0"/>
-              <a:t>05.12.2023</a:t>
+              <a:t>08.12.2023</a:t>
             </a:fld>
             <a:endParaRPr lang="ru-RU"/>
           </a:p>
@@ -2413,7 +2413,7 @@
           <a:p>
             <a:fld id="{870F65BB-7DDC-4717-AF77-59A3293404C9}" type="datetimeFigureOut">
               <a:rPr lang="ru-RU" smtClean="0"/>
-              <a:t>05.12.2023</a:t>
+              <a:t>08.12.2023</a:t>
             </a:fld>
             <a:endParaRPr lang="ru-RU"/>
           </a:p>
@@ -2701,7 +2701,7 @@
           <a:p>
             <a:fld id="{870F65BB-7DDC-4717-AF77-59A3293404C9}" type="datetimeFigureOut">
               <a:rPr lang="ru-RU" smtClean="0"/>
-              <a:t>05.12.2023</a:t>
+              <a:t>08.12.2023</a:t>
             </a:fld>
             <a:endParaRPr lang="ru-RU"/>
           </a:p>
@@ -2942,7 +2942,7 @@
           <a:p>
             <a:fld id="{870F65BB-7DDC-4717-AF77-59A3293404C9}" type="datetimeFigureOut">
               <a:rPr lang="ru-RU" smtClean="0"/>
-              <a:t>05.12.2023</a:t>
+              <a:t>08.12.2023</a:t>
             </a:fld>
             <a:endParaRPr lang="ru-RU"/>
           </a:p>
@@ -3412,7 +3412,7 @@
                 <a:latin typeface="Times New Roman" panose="02020603050405020304" pitchFamily="18" charset="0"/>
                 <a:cs typeface="Times New Roman" panose="02020603050405020304" pitchFamily="18" charset="0"/>
               </a:rPr>
-              <a:t>3</a:t>
+              <a:t>6</a:t>
             </a:r>
             <a:br>
               <a:rPr lang="en-US" sz="1400" dirty="0">
@@ -3660,8 +3660,15 @@
                 <a:latin typeface="Times New Roman" panose="02020603050405020304" pitchFamily="18" charset="0"/>
                 <a:cs typeface="Times New Roman" panose="02020603050405020304" pitchFamily="18" charset="0"/>
               </a:rPr>
-              <a:t>Напишите программу, в которой создается символьный массив из 10 элементов. Массив заполнить большими (прописными) буквами английского алфавита. Буквы берутся подряд, но только согласные (то есть гласные буквы ’ А',1Е' и ' I' при присваивании значений элементам массива нужно пропустить). Отобразите содержимое созданного массива в консольном окне.</a:t>
-            </a:r>
+              <a:t>Напишите программу со статическим методом, аргументом которому передается целочисленный массив, а результатом возвращается среднее значение для элементов массива (сумма значений элементов, деленная на количество элементов в массиве).</a:t>
+            </a:r>
+            <a:endParaRPr lang="en-US" sz="1400" dirty="0">
+              <a:solidFill>
+                <a:schemeClr val="tx1"/>
+              </a:solidFill>
+              <a:latin typeface="Times New Roman" panose="02020603050405020304" pitchFamily="18" charset="0"/>
+              <a:cs typeface="Times New Roman" panose="02020603050405020304" pitchFamily="18" charset="0"/>
+            </a:endParaRPr>
           </a:p>
           <a:p>
             <a:r>
@@ -3682,27 +3689,7 @@
                 <a:latin typeface="Times New Roman" panose="02020603050405020304" pitchFamily="18" charset="0"/>
                 <a:cs typeface="Times New Roman" panose="02020603050405020304" pitchFamily="18" charset="0"/>
               </a:rPr>
-              <a:t>https://github.com/Vladnwx/Learn2023-2024/blob/master/src/lr3/Example</a:t>
-            </a:r>
-            <a:r>
-              <a:rPr lang="ru-RU" sz="1400" dirty="0">
-                <a:solidFill>
-                  <a:schemeClr val="tx1"/>
-                </a:solidFill>
-                <a:latin typeface="Times New Roman" panose="02020603050405020304" pitchFamily="18" charset="0"/>
-                <a:cs typeface="Times New Roman" panose="02020603050405020304" pitchFamily="18" charset="0"/>
-              </a:rPr>
-              <a:t>8</a:t>
-            </a:r>
-            <a:r>
-              <a:rPr lang="en-US" sz="1400" dirty="0">
-                <a:solidFill>
-                  <a:schemeClr val="tx1"/>
-                </a:solidFill>
-                <a:latin typeface="Times New Roman" panose="02020603050405020304" pitchFamily="18" charset="0"/>
-                <a:cs typeface="Times New Roman" panose="02020603050405020304" pitchFamily="18" charset="0"/>
-              </a:rPr>
-              <a:t>.java</a:t>
+              <a:t> </a:t>
             </a:r>
             <a:endParaRPr lang="ru-RU" sz="1400" dirty="0">
               <a:solidFill>
@@ -3819,8 +3806,15 @@
                 <a:latin typeface="Times New Roman" panose="02020603050405020304" pitchFamily="18" charset="0"/>
                 <a:cs typeface="Times New Roman" panose="02020603050405020304" pitchFamily="18" charset="0"/>
               </a:rPr>
-              <a:t>Напишите программу, в которой создается массив и заполняется случайными числами. Массив отображается в консольном окне. В этом массиве необходимо определить элемент с минимальным значением. В частности, программа должна вывести значение элемента с минимальным значением и индекс этого элемента. Если элементов с минимальным значением несколько, должны быть выведены индексы всех этих элементов.</a:t>
-            </a:r>
+              <a:t>Напишите программу со статическим методом, аргументом которому передается одномерный символьный массив. В результате вызова метода элементы массива попарно меняются местами: первый — с последним, второй — с предпоследним и так далее.</a:t>
+            </a:r>
+            <a:endParaRPr lang="en-US" sz="1400" dirty="0">
+              <a:solidFill>
+                <a:schemeClr val="tx1"/>
+              </a:solidFill>
+              <a:latin typeface="Times New Roman" panose="02020603050405020304" pitchFamily="18" charset="0"/>
+              <a:cs typeface="Times New Roman" panose="02020603050405020304" pitchFamily="18" charset="0"/>
+            </a:endParaRPr>
           </a:p>
           <a:p>
             <a:r>
@@ -3841,27 +3835,7 @@
                 <a:latin typeface="Times New Roman" panose="02020603050405020304" pitchFamily="18" charset="0"/>
                 <a:cs typeface="Times New Roman" panose="02020603050405020304" pitchFamily="18" charset="0"/>
               </a:rPr>
-              <a:t>https://github.com/Vladnwx/Learn2023-2024/blob/master/src/lr3/Example</a:t>
-            </a:r>
-            <a:r>
-              <a:rPr lang="ru-RU" sz="1400" dirty="0">
-                <a:solidFill>
-                  <a:schemeClr val="tx1"/>
-                </a:solidFill>
-                <a:latin typeface="Times New Roman" panose="02020603050405020304" pitchFamily="18" charset="0"/>
-                <a:cs typeface="Times New Roman" panose="02020603050405020304" pitchFamily="18" charset="0"/>
-              </a:rPr>
-              <a:t>9</a:t>
-            </a:r>
-            <a:r>
-              <a:rPr lang="en-US" sz="1400" dirty="0">
-                <a:solidFill>
-                  <a:schemeClr val="tx1"/>
-                </a:solidFill>
-                <a:latin typeface="Times New Roman" panose="02020603050405020304" pitchFamily="18" charset="0"/>
-                <a:cs typeface="Times New Roman" panose="02020603050405020304" pitchFamily="18" charset="0"/>
-              </a:rPr>
-              <a:t>.java</a:t>
+              <a:t> </a:t>
             </a:r>
             <a:endParaRPr lang="ru-RU" sz="1400" dirty="0">
               <a:solidFill>
@@ -3978,10 +3952,27 @@
                 <a:latin typeface="Times New Roman" panose="02020603050405020304" pitchFamily="18" charset="0"/>
                 <a:cs typeface="Times New Roman" panose="02020603050405020304" pitchFamily="18" charset="0"/>
               </a:rPr>
-              <a:t>Напишите программу, в которой создается целочисленный массив, заполняется случайными числами и после этого значения элементов в массиве сортируются в порядке убывания значений.</a:t>
-            </a:r>
-          </a:p>
-          <a:p>
+              <a:t>Напишите программу со статическим методом, аргументом которому передается произвольное количество целочисленных аргументов. Результатом метод возвращает массив из двух элементов: это значения наибольшего и наименьшего значений среди аргументов, переданных методу.</a:t>
+            </a:r>
+            <a:endParaRPr lang="en-US" sz="1400">
+              <a:solidFill>
+                <a:schemeClr val="tx1"/>
+              </a:solidFill>
+              <a:latin typeface="Times New Roman" panose="02020603050405020304" pitchFamily="18" charset="0"/>
+              <a:cs typeface="Times New Roman" panose="02020603050405020304" pitchFamily="18" charset="0"/>
+            </a:endParaRPr>
+          </a:p>
+          <a:p>
+            <a:r>
+              <a:rPr lang="ru-RU" sz="1400">
+                <a:solidFill>
+                  <a:schemeClr val="tx1"/>
+                </a:solidFill>
+                <a:latin typeface="Times New Roman" panose="02020603050405020304" pitchFamily="18" charset="0"/>
+                <a:cs typeface="Times New Roman" panose="02020603050405020304" pitchFamily="18" charset="0"/>
+              </a:rPr>
+              <a:t>Исходный </a:t>
+            </a:r>
             <a:r>
               <a:rPr lang="ru-RU" sz="1400" dirty="0">
                 <a:solidFill>
@@ -3990,7 +3981,7 @@
                 <a:latin typeface="Times New Roman" panose="02020603050405020304" pitchFamily="18" charset="0"/>
                 <a:cs typeface="Times New Roman" panose="02020603050405020304" pitchFamily="18" charset="0"/>
               </a:rPr>
-              <a:t>Исходный код решения : </a:t>
+              <a:t>код решения : </a:t>
             </a:r>
             <a:r>
               <a:rPr lang="en-US" sz="1400" dirty="0">
@@ -4000,37 +3991,7 @@
                 <a:latin typeface="Times New Roman" panose="02020603050405020304" pitchFamily="18" charset="0"/>
                 <a:cs typeface="Times New Roman" panose="02020603050405020304" pitchFamily="18" charset="0"/>
               </a:rPr>
-              <a:t>https://github.com/Vladnwx/Learn2023-2024/blob/master/src/lr3/Example</a:t>
-            </a:r>
-            <a:r>
-              <a:rPr lang="ru-RU" sz="1400" dirty="0">
-                <a:solidFill>
-                  <a:schemeClr val="tx1"/>
-                </a:solidFill>
-                <a:latin typeface="Times New Roman" panose="02020603050405020304" pitchFamily="18" charset="0"/>
-                <a:cs typeface="Times New Roman" panose="02020603050405020304" pitchFamily="18" charset="0"/>
-              </a:rPr>
-              <a:t>10</a:t>
-            </a:r>
-            <a:r>
-              <a:rPr lang="en-US" sz="1400">
-                <a:solidFill>
-                  <a:schemeClr val="tx1"/>
-                </a:solidFill>
-                <a:latin typeface="Times New Roman" panose="02020603050405020304" pitchFamily="18" charset="0"/>
-                <a:cs typeface="Times New Roman" panose="02020603050405020304" pitchFamily="18" charset="0"/>
-              </a:rPr>
-              <a:t>.</a:t>
-            </a:r>
-            <a:r>
-              <a:rPr lang="en-US" sz="1400" dirty="0">
-                <a:solidFill>
-                  <a:schemeClr val="tx1"/>
-                </a:solidFill>
-                <a:latin typeface="Times New Roman" panose="02020603050405020304" pitchFamily="18" charset="0"/>
-                <a:cs typeface="Times New Roman" panose="02020603050405020304" pitchFamily="18" charset="0"/>
-              </a:rPr>
-              <a:t>java</a:t>
+              <a:t> </a:t>
             </a:r>
             <a:endParaRPr lang="ru-RU" sz="1400" dirty="0">
               <a:solidFill>
@@ -4144,52 +4105,6 @@
               <a:buChar char="•"/>
             </a:pPr>
             <a:r>
-              <a:rPr lang="ru-RU" sz="1400" dirty="0">
-                <a:solidFill>
-                  <a:schemeClr val="tx1"/>
-                </a:solidFill>
-                <a:latin typeface="Times New Roman" panose="02020603050405020304" pitchFamily="18" charset="0"/>
-                <a:cs typeface="Times New Roman" panose="02020603050405020304" pitchFamily="18" charset="0"/>
-              </a:rPr>
-              <a:t>При большом количестве переменны удобнее пользоваться массивами. Их можно сортировать используя стандартную библиотеку.</a:t>
-            </a:r>
-          </a:p>
-          <a:p>
-            <a:pPr marL="285750" indent="-285750">
-              <a:buFont typeface="Arial" panose="020B0604020202020204" pitchFamily="34" charset="0"/>
-              <a:buChar char="•"/>
-            </a:pPr>
-            <a:r>
-              <a:rPr lang="ru-RU" sz="1400" dirty="0">
-                <a:solidFill>
-                  <a:schemeClr val="tx1"/>
-                </a:solidFill>
-                <a:latin typeface="Times New Roman" panose="02020603050405020304" pitchFamily="18" charset="0"/>
-                <a:cs typeface="Times New Roman" panose="02020603050405020304" pitchFamily="18" charset="0"/>
-              </a:rPr>
-              <a:t>Для выполнения различных тестов </a:t>
-            </a:r>
-            <a:r>
-              <a:rPr lang="ru-RU" sz="1400">
-                <a:solidFill>
-                  <a:schemeClr val="tx1"/>
-                </a:solidFill>
-                <a:latin typeface="Times New Roman" panose="02020603050405020304" pitchFamily="18" charset="0"/>
-                <a:cs typeface="Times New Roman" panose="02020603050405020304" pitchFamily="18" charset="0"/>
-              </a:rPr>
-              <a:t>заполнения массивов </a:t>
-            </a:r>
-            <a:r>
-              <a:rPr lang="ru-RU" sz="1400" dirty="0">
-                <a:solidFill>
-                  <a:schemeClr val="tx1"/>
-                </a:solidFill>
-                <a:latin typeface="Times New Roman" panose="02020603050405020304" pitchFamily="18" charset="0"/>
-                <a:cs typeface="Times New Roman" panose="02020603050405020304" pitchFamily="18" charset="0"/>
-              </a:rPr>
-              <a:t>можно использовать библиотеку </a:t>
-            </a:r>
-            <a:r>
               <a:rPr lang="en-US" sz="1400" dirty="0">
                 <a:solidFill>
                   <a:schemeClr val="tx1"/>
@@ -4197,7 +4112,7 @@
                 <a:latin typeface="Times New Roman" panose="02020603050405020304" pitchFamily="18" charset="0"/>
                 <a:cs typeface="Times New Roman" panose="02020603050405020304" pitchFamily="18" charset="0"/>
               </a:rPr>
-              <a:t>Random</a:t>
+              <a:t> </a:t>
             </a:r>
             <a:endParaRPr lang="ru-RU" sz="1400" dirty="0">
               <a:solidFill>
@@ -4206,42 +4121,6 @@
               <a:latin typeface="Times New Roman" panose="02020603050405020304" pitchFamily="18" charset="0"/>
               <a:cs typeface="Times New Roman" panose="02020603050405020304" pitchFamily="18" charset="0"/>
             </a:endParaRPr>
-          </a:p>
-          <a:p>
-            <a:pPr marL="285750" indent="-285750">
-              <a:buFont typeface="Arial" panose="020B0604020202020204" pitchFamily="34" charset="0"/>
-              <a:buChar char="•"/>
-            </a:pPr>
-            <a:r>
-              <a:rPr lang="ru-RU" sz="1400" dirty="0">
-                <a:solidFill>
-                  <a:schemeClr val="tx1"/>
-                </a:solidFill>
-                <a:latin typeface="Times New Roman" panose="02020603050405020304" pitchFamily="18" charset="0"/>
-                <a:cs typeface="Times New Roman" panose="02020603050405020304" pitchFamily="18" charset="0"/>
-              </a:rPr>
-              <a:t>Операторы цикла </a:t>
-            </a:r>
-            <a:r>
-              <a:rPr lang="en-US" sz="1400" dirty="0">
-                <a:solidFill>
-                  <a:schemeClr val="tx1"/>
-                </a:solidFill>
-                <a:latin typeface="Times New Roman" panose="02020603050405020304" pitchFamily="18" charset="0"/>
-                <a:cs typeface="Times New Roman" panose="02020603050405020304" pitchFamily="18" charset="0"/>
-              </a:rPr>
-              <a:t>switch </a:t>
-            </a:r>
-            <a:r>
-              <a:rPr lang="ru-RU" sz="1400" dirty="0">
-                <a:solidFill>
-                  <a:schemeClr val="tx1"/>
-                </a:solidFill>
-                <a:latin typeface="Times New Roman" panose="02020603050405020304" pitchFamily="18" charset="0"/>
-                <a:cs typeface="Times New Roman" panose="02020603050405020304" pitchFamily="18" charset="0"/>
-              </a:rPr>
-              <a:t>удобнее использовать при однотипном сравнении значений</a:t>
-            </a:r>
           </a:p>
         </p:txBody>
       </p:sp>
@@ -4343,6 +4222,16 @@
           <a:lstStyle/>
           <a:p>
             <a:r>
+              <a:rPr lang="en-US" sz="1400" dirty="0">
+                <a:solidFill>
+                  <a:schemeClr val="tx1"/>
+                </a:solidFill>
+                <a:latin typeface="Times New Roman" panose="02020603050405020304" pitchFamily="18" charset="0"/>
+                <a:cs typeface="Times New Roman" panose="02020603050405020304" pitchFamily="18" charset="0"/>
+              </a:rPr>
+              <a:t> </a:t>
+            </a:r>
+            <a:r>
               <a:rPr lang="ru-RU" sz="1400" dirty="0">
                 <a:solidFill>
                   <a:schemeClr val="tx1"/>
@@ -4350,7 +4239,7 @@
                 <a:latin typeface="Times New Roman" panose="02020603050405020304" pitchFamily="18" charset="0"/>
                 <a:cs typeface="Times New Roman" panose="02020603050405020304" pitchFamily="18" charset="0"/>
               </a:rPr>
-              <a:t>Получить представление о работе с операторами и одномерными массивами в языке программирования Java, а также решение задач на сайте timus.</a:t>
+              <a:t>введение в работу с классами Java</a:t>
             </a:r>
           </a:p>
         </p:txBody>
@@ -4460,18 +4349,17 @@
                 <a:latin typeface="Times New Roman" panose="02020603050405020304" pitchFamily="18" charset="0"/>
                 <a:cs typeface="Times New Roman" panose="02020603050405020304" pitchFamily="18" charset="0"/>
               </a:rPr>
-              <a:t>Напишите программу, в которой пользователь вводит целое число в диапазоне от 1 до 7, а программа определяет по этому числу день недели. Если введенное пользователем число выходит за допустимый диапазон, выводится сообщение о том, что введено некорректное значение. Используйте оператор выбора </a:t>
-            </a:r>
-            <a:r>
-              <a:rPr lang="ru-RU" sz="1400" dirty="0" err="1">
-                <a:solidFill>
-                  <a:schemeClr val="tx1"/>
-                </a:solidFill>
-                <a:latin typeface="Times New Roman" panose="02020603050405020304" pitchFamily="18" charset="0"/>
-                <a:cs typeface="Times New Roman" panose="02020603050405020304" pitchFamily="18" charset="0"/>
-              </a:rPr>
-              <a:t>switch</a:t>
-            </a:r>
+              <a:t>Напишите программу с классом, в котором есть два поля: символьное и текстовое. В классе должен быть перегруженный метод для присваивания значений полям. Если метод вызывается с символьным аргументом, то соответствующее значение присваивается символьному полю. Если метод вызывается с текстовым аргументом, то он определяет значение текстового ноля. Методу аргументом также может передаваться символьный массив. Если массив состоит из одного элемента, то он определяет значение символьного поля. В противном случае (если в массиве больше одного элемента) из символов массива формируется текстовая строка и присваивается значением текстовому полю.</a:t>
+            </a:r>
+            <a:endParaRPr lang="en-US" sz="1400" dirty="0">
+              <a:solidFill>
+                <a:schemeClr val="tx1"/>
+              </a:solidFill>
+              <a:latin typeface="Times New Roman" panose="02020603050405020304" pitchFamily="18" charset="0"/>
+              <a:cs typeface="Times New Roman" panose="02020603050405020304" pitchFamily="18" charset="0"/>
+            </a:endParaRPr>
+          </a:p>
+          <a:p>
             <a:r>
               <a:rPr lang="ru-RU" sz="1400" dirty="0">
                 <a:solidFill>
@@ -4480,18 +4368,6 @@
                 <a:latin typeface="Times New Roman" panose="02020603050405020304" pitchFamily="18" charset="0"/>
                 <a:cs typeface="Times New Roman" panose="02020603050405020304" pitchFamily="18" charset="0"/>
               </a:rPr>
-              <a:t>.</a:t>
-            </a:r>
-          </a:p>
-          <a:p>
-            <a:r>
-              <a:rPr lang="ru-RU" sz="1400" dirty="0">
-                <a:solidFill>
-                  <a:schemeClr val="tx1"/>
-                </a:solidFill>
-                <a:latin typeface="Times New Roman" panose="02020603050405020304" pitchFamily="18" charset="0"/>
-                <a:cs typeface="Times New Roman" panose="02020603050405020304" pitchFamily="18" charset="0"/>
-              </a:rPr>
               <a:t>Исходный код решения : </a:t>
             </a:r>
             <a:r>
@@ -4502,7 +4378,7 @@
                 <a:latin typeface="Times New Roman" panose="02020603050405020304" pitchFamily="18" charset="0"/>
                 <a:cs typeface="Times New Roman" panose="02020603050405020304" pitchFamily="18" charset="0"/>
               </a:rPr>
-              <a:t>https://github.com/Vladnwx/Learn2023-2024/blob/master/src/lr3/Example1.java</a:t>
+              <a:t> </a:t>
             </a:r>
             <a:endParaRPr lang="ru-RU" sz="1400" dirty="0">
               <a:solidFill>
@@ -4619,18 +4495,17 @@
                 <a:latin typeface="Times New Roman" panose="02020603050405020304" pitchFamily="18" charset="0"/>
                 <a:cs typeface="Times New Roman" panose="02020603050405020304" pitchFamily="18" charset="0"/>
               </a:rPr>
-              <a:t>Напишите программу, в которой пользователю предлагается ввести название дня недели. По введенному названию программа определяет порядковый номер дня в неделе. Если пользователь вводит неправильное название дня, программа выводит сообщение о том, что такого дня нет. Предложите версию программы на основе вложенных условных операторов и на основе оператора выбора </a:t>
-            </a:r>
-            <a:r>
-              <a:rPr lang="ru-RU" sz="1400" dirty="0" err="1">
-                <a:solidFill>
-                  <a:schemeClr val="tx1"/>
-                </a:solidFill>
-                <a:latin typeface="Times New Roman" panose="02020603050405020304" pitchFamily="18" charset="0"/>
-                <a:cs typeface="Times New Roman" panose="02020603050405020304" pitchFamily="18" charset="0"/>
-              </a:rPr>
-              <a:t>switch</a:t>
-            </a:r>
+              <a:t>Напишите программу с классом, в котором есть закрытое статическое целочисленное ноле с начальным нулевым значением. В классе должен быть описан статический метод, при вызове которого отображается текущее значение статического поля, после чего значение поля увеличивается на единицу.</a:t>
+            </a:r>
+            <a:endParaRPr lang="en-US" sz="1400" dirty="0">
+              <a:solidFill>
+                <a:schemeClr val="tx1"/>
+              </a:solidFill>
+              <a:latin typeface="Times New Roman" panose="02020603050405020304" pitchFamily="18" charset="0"/>
+              <a:cs typeface="Times New Roman" panose="02020603050405020304" pitchFamily="18" charset="0"/>
+            </a:endParaRPr>
+          </a:p>
+          <a:p>
             <a:r>
               <a:rPr lang="ru-RU" sz="1400" dirty="0">
                 <a:solidFill>
@@ -4639,18 +4514,6 @@
                 <a:latin typeface="Times New Roman" panose="02020603050405020304" pitchFamily="18" charset="0"/>
                 <a:cs typeface="Times New Roman" panose="02020603050405020304" pitchFamily="18" charset="0"/>
               </a:rPr>
-              <a:t>.</a:t>
-            </a:r>
-          </a:p>
-          <a:p>
-            <a:r>
-              <a:rPr lang="ru-RU" sz="1400" dirty="0">
-                <a:solidFill>
-                  <a:schemeClr val="tx1"/>
-                </a:solidFill>
-                <a:latin typeface="Times New Roman" panose="02020603050405020304" pitchFamily="18" charset="0"/>
-                <a:cs typeface="Times New Roman" panose="02020603050405020304" pitchFamily="18" charset="0"/>
-              </a:rPr>
               <a:t>Исходный код решения : </a:t>
             </a:r>
             <a:r>
@@ -4661,27 +4524,7 @@
                 <a:latin typeface="Times New Roman" panose="02020603050405020304" pitchFamily="18" charset="0"/>
                 <a:cs typeface="Times New Roman" panose="02020603050405020304" pitchFamily="18" charset="0"/>
               </a:rPr>
-              <a:t>https://github.com/Vladnwx/Learn2023-2024/blob/master/src/lr3/Example</a:t>
-            </a:r>
-            <a:r>
-              <a:rPr lang="ru-RU" sz="1400" dirty="0">
-                <a:solidFill>
-                  <a:schemeClr val="tx1"/>
-                </a:solidFill>
-                <a:latin typeface="Times New Roman" panose="02020603050405020304" pitchFamily="18" charset="0"/>
-                <a:cs typeface="Times New Roman" panose="02020603050405020304" pitchFamily="18" charset="0"/>
-              </a:rPr>
-              <a:t>2</a:t>
-            </a:r>
-            <a:r>
-              <a:rPr lang="en-US" sz="1400" dirty="0">
-                <a:solidFill>
-                  <a:schemeClr val="tx1"/>
-                </a:solidFill>
-                <a:latin typeface="Times New Roman" panose="02020603050405020304" pitchFamily="18" charset="0"/>
-                <a:cs typeface="Times New Roman" panose="02020603050405020304" pitchFamily="18" charset="0"/>
-              </a:rPr>
-              <a:t>.java</a:t>
+              <a:t> </a:t>
             </a:r>
             <a:endParaRPr lang="ru-RU" sz="1400" dirty="0">
               <a:solidFill>
@@ -4798,8 +4641,15 @@
                 <a:latin typeface="Times New Roman" panose="02020603050405020304" pitchFamily="18" charset="0"/>
                 <a:cs typeface="Times New Roman" panose="02020603050405020304" pitchFamily="18" charset="0"/>
               </a:rPr>
-              <a:t>Напишите программу, которая выводит последовательность чисел Фибоначчи. Первые два числа в этой последовательности равны 1, а каждое следующее число равно сумме двух предыдущих (получается последовательность 1, 1, 2, 3, 5, 8, 13, 21, 34, 55, 89 и так далее). Количество чисел в последовательности вводится пользователем. Предложите версии программы, использующие разные операторы цикла.</a:t>
-            </a:r>
+              <a:t>Напишите программу с классом, в котором есть статические методы, которым можно передавать произвольное количество целочисленных аргументов (или целочисленный массив). Методы, на основании переданных аргументов или массива, позволяют вычислить: наибольшее значение, наименьшее значение, а также среднее значение из набора чисел.</a:t>
+            </a:r>
+            <a:endParaRPr lang="en-US" sz="1400" dirty="0">
+              <a:solidFill>
+                <a:schemeClr val="tx1"/>
+              </a:solidFill>
+              <a:latin typeface="Times New Roman" panose="02020603050405020304" pitchFamily="18" charset="0"/>
+              <a:cs typeface="Times New Roman" panose="02020603050405020304" pitchFamily="18" charset="0"/>
+            </a:endParaRPr>
           </a:p>
           <a:p>
             <a:r>
@@ -4820,27 +4670,7 @@
                 <a:latin typeface="Times New Roman" panose="02020603050405020304" pitchFamily="18" charset="0"/>
                 <a:cs typeface="Times New Roman" panose="02020603050405020304" pitchFamily="18" charset="0"/>
               </a:rPr>
-              <a:t>https://github.com/Vladnwx/Learn2023-2024/blob/master/src/lr3/Example</a:t>
-            </a:r>
-            <a:r>
-              <a:rPr lang="ru-RU" sz="1400" dirty="0">
-                <a:solidFill>
-                  <a:schemeClr val="tx1"/>
-                </a:solidFill>
-                <a:latin typeface="Times New Roman" panose="02020603050405020304" pitchFamily="18" charset="0"/>
-                <a:cs typeface="Times New Roman" panose="02020603050405020304" pitchFamily="18" charset="0"/>
-              </a:rPr>
-              <a:t>3</a:t>
-            </a:r>
-            <a:r>
-              <a:rPr lang="en-US" sz="1400" dirty="0">
-                <a:solidFill>
-                  <a:schemeClr val="tx1"/>
-                </a:solidFill>
-                <a:latin typeface="Times New Roman" panose="02020603050405020304" pitchFamily="18" charset="0"/>
-                <a:cs typeface="Times New Roman" panose="02020603050405020304" pitchFamily="18" charset="0"/>
-              </a:rPr>
-              <a:t>.java</a:t>
+              <a:t> </a:t>
             </a:r>
             <a:endParaRPr lang="ru-RU" sz="1400" dirty="0">
               <a:solidFill>
@@ -4957,8 +4787,15 @@
                 <a:latin typeface="Times New Roman" panose="02020603050405020304" pitchFamily="18" charset="0"/>
                 <a:cs typeface="Times New Roman" panose="02020603050405020304" pitchFamily="18" charset="0"/>
               </a:rPr>
-              <a:t>Напишите программу, в которой пользователем вводится два целых числа. Программа выводит все целые числа — начиная с наименьшего (из двух введенных чисел) и заканчивая наибольшим (из двух введенных чисел). Предложите разные версии программы (с использованием разных операторов цикла).</a:t>
-            </a:r>
+              <a:t>Напишите программу, в которой описан статический метод для вычисления двойного факториала числа, переданного аргументом методу. По определению, двойной факториал числа п (обозначается как n!!) — это произведение через одно всех чисел, не больших числа п. То есть n!! = п * (n - 2) * (п - 4)* ... (последний множитель равен 1 для нечетного п и равен 2 для четного n). Например, 6!! = 6 х 4 х 2 = 48 и 5!! = 5 х 3 х 1 = 15.</a:t>
+            </a:r>
+            <a:endParaRPr lang="en-US" sz="1400" dirty="0">
+              <a:solidFill>
+                <a:schemeClr val="tx1"/>
+              </a:solidFill>
+              <a:latin typeface="Times New Roman" panose="02020603050405020304" pitchFamily="18" charset="0"/>
+              <a:cs typeface="Times New Roman" panose="02020603050405020304" pitchFamily="18" charset="0"/>
+            </a:endParaRPr>
           </a:p>
           <a:p>
             <a:r>
@@ -4979,27 +4816,7 @@
                 <a:latin typeface="Times New Roman" panose="02020603050405020304" pitchFamily="18" charset="0"/>
                 <a:cs typeface="Times New Roman" panose="02020603050405020304" pitchFamily="18" charset="0"/>
               </a:rPr>
-              <a:t>https://github.com/Vladnwx/Learn2023-2024/blob/master/src/lr3/Example</a:t>
-            </a:r>
-            <a:r>
-              <a:rPr lang="ru-RU" sz="1400" dirty="0">
-                <a:solidFill>
-                  <a:schemeClr val="tx1"/>
-                </a:solidFill>
-                <a:latin typeface="Times New Roman" panose="02020603050405020304" pitchFamily="18" charset="0"/>
-                <a:cs typeface="Times New Roman" panose="02020603050405020304" pitchFamily="18" charset="0"/>
-              </a:rPr>
-              <a:t>4</a:t>
-            </a:r>
-            <a:r>
-              <a:rPr lang="en-US" sz="1400" dirty="0">
-                <a:solidFill>
-                  <a:schemeClr val="tx1"/>
-                </a:solidFill>
-                <a:latin typeface="Times New Roman" panose="02020603050405020304" pitchFamily="18" charset="0"/>
-                <a:cs typeface="Times New Roman" panose="02020603050405020304" pitchFamily="18" charset="0"/>
-              </a:rPr>
-              <a:t>.java</a:t>
+              <a:t> </a:t>
             </a:r>
             <a:endParaRPr lang="ru-RU" sz="1400" dirty="0">
               <a:solidFill>
@@ -5116,10 +4933,18 @@
                 <a:latin typeface="Times New Roman" panose="02020603050405020304" pitchFamily="18" charset="0"/>
                 <a:cs typeface="Times New Roman" panose="02020603050405020304" pitchFamily="18" charset="0"/>
               </a:rPr>
-              <a:t>Напишите программу, в которой вычисляется сумма чисел, удовлетворяющих таким критериям: при делении числа на 5 в остатке получается 2, или при делении на 3 в остатке получается 1. Количество чисел в сумме вводится пользователем. Программа отображает числа, которые суммируются, и значение суммы. Предложите версии программы, использующие разные операторы цикла.</a:t>
-            </a:r>
-          </a:p>
-          <a:p>
+              <a:t>Напишите программу со статическим методом, которым вычисляется сумма квадратов натуральных чисел 12 + 22 + 32 + ... + п2. Число п передается аргументом методу. Для проверки результата можно использовать формулу 12 + 22 +32+…+n2=(</a:t>
+            </a:r>
+            <a:r>
+              <a:rPr lang="ru-RU" sz="1400" dirty="0" err="1">
+                <a:solidFill>
+                  <a:schemeClr val="tx1"/>
+                </a:solidFill>
+                <a:latin typeface="Times New Roman" panose="02020603050405020304" pitchFamily="18" charset="0"/>
+                <a:cs typeface="Times New Roman" panose="02020603050405020304" pitchFamily="18" charset="0"/>
+              </a:rPr>
+              <a:t>n+l</a:t>
+            </a:r>
             <a:r>
               <a:rPr lang="ru-RU" sz="1400" dirty="0">
                 <a:solidFill>
@@ -5128,6 +4953,25 @@
                 <a:latin typeface="Times New Roman" panose="02020603050405020304" pitchFamily="18" charset="0"/>
                 <a:cs typeface="Times New Roman" panose="02020603050405020304" pitchFamily="18" charset="0"/>
               </a:rPr>
+              <a:t>) (2n + 1)/6</a:t>
+            </a:r>
+            <a:endParaRPr lang="en-US" sz="1400" dirty="0">
+              <a:solidFill>
+                <a:schemeClr val="tx1"/>
+              </a:solidFill>
+              <a:latin typeface="Times New Roman" panose="02020603050405020304" pitchFamily="18" charset="0"/>
+              <a:cs typeface="Times New Roman" panose="02020603050405020304" pitchFamily="18" charset="0"/>
+            </a:endParaRPr>
+          </a:p>
+          <a:p>
+            <a:r>
+              <a:rPr lang="ru-RU" sz="1400" dirty="0">
+                <a:solidFill>
+                  <a:schemeClr val="tx1"/>
+                </a:solidFill>
+                <a:latin typeface="Times New Roman" panose="02020603050405020304" pitchFamily="18" charset="0"/>
+                <a:cs typeface="Times New Roman" panose="02020603050405020304" pitchFamily="18" charset="0"/>
+              </a:rPr>
               <a:t>Исходный код решения : </a:t>
             </a:r>
             <a:r>
@@ -5138,27 +4982,7 @@
                 <a:latin typeface="Times New Roman" panose="02020603050405020304" pitchFamily="18" charset="0"/>
                 <a:cs typeface="Times New Roman" panose="02020603050405020304" pitchFamily="18" charset="0"/>
               </a:rPr>
-              <a:t>https://github.com/Vladnwx/Learn2023-2024/blob/master/src/lr3/Example</a:t>
-            </a:r>
-            <a:r>
-              <a:rPr lang="ru-RU" sz="1400" dirty="0">
-                <a:solidFill>
-                  <a:schemeClr val="tx1"/>
-                </a:solidFill>
-                <a:latin typeface="Times New Roman" panose="02020603050405020304" pitchFamily="18" charset="0"/>
-                <a:cs typeface="Times New Roman" panose="02020603050405020304" pitchFamily="18" charset="0"/>
-              </a:rPr>
-              <a:t>5</a:t>
-            </a:r>
-            <a:r>
-              <a:rPr lang="en-US" sz="1400" dirty="0">
-                <a:solidFill>
-                  <a:schemeClr val="tx1"/>
-                </a:solidFill>
-                <a:latin typeface="Times New Roman" panose="02020603050405020304" pitchFamily="18" charset="0"/>
-                <a:cs typeface="Times New Roman" panose="02020603050405020304" pitchFamily="18" charset="0"/>
-              </a:rPr>
-              <a:t>.java</a:t>
+              <a:t> </a:t>
             </a:r>
             <a:endParaRPr lang="ru-RU" sz="1400" dirty="0">
               <a:solidFill>
@@ -5275,8 +5099,15 @@
                 <a:latin typeface="Times New Roman" panose="02020603050405020304" pitchFamily="18" charset="0"/>
                 <a:cs typeface="Times New Roman" panose="02020603050405020304" pitchFamily="18" charset="0"/>
               </a:rPr>
-              <a:t>Напишите программу, в которой создается одномерный числовой массив и заполняется числами, которые при делении на 5 дают в остатке 2 (числа 2, 7,12,17 и так далее). Размер массива вводится пользователем. Предусмотреть обработку ошибки, связанной с вводом некорректного значения.</a:t>
-            </a:r>
+              <a:t>Напишите программу со статическим методом, которому аргументом передается целочисленный массив и целое число. Результатом метод возвращает ссылку на новый массив, который получается из исходного массива (переданного первым аргументом методу), если в нем взять несколько начальных элементов. Количество элементов, которые нужно взять из исходного массива, определяются вторым аргументом метода. Если второй аргумент метода больше длины массива, переданного первым аргументом, то методом создается копия исходного массива и возвращается ссылка на эту копию.</a:t>
+            </a:r>
+            <a:endParaRPr lang="en-US" sz="1400" dirty="0">
+              <a:solidFill>
+                <a:schemeClr val="tx1"/>
+              </a:solidFill>
+              <a:latin typeface="Times New Roman" panose="02020603050405020304" pitchFamily="18" charset="0"/>
+              <a:cs typeface="Times New Roman" panose="02020603050405020304" pitchFamily="18" charset="0"/>
+            </a:endParaRPr>
           </a:p>
           <a:p>
             <a:r>
@@ -5297,27 +5128,7 @@
                 <a:latin typeface="Times New Roman" panose="02020603050405020304" pitchFamily="18" charset="0"/>
                 <a:cs typeface="Times New Roman" panose="02020603050405020304" pitchFamily="18" charset="0"/>
               </a:rPr>
-              <a:t>https://github.com/Vladnwx/Learn2023-2024/blob/master/src/lr3/Example</a:t>
-            </a:r>
-            <a:r>
-              <a:rPr lang="ru-RU" sz="1400" dirty="0">
-                <a:solidFill>
-                  <a:schemeClr val="tx1"/>
-                </a:solidFill>
-                <a:latin typeface="Times New Roman" panose="02020603050405020304" pitchFamily="18" charset="0"/>
-                <a:cs typeface="Times New Roman" panose="02020603050405020304" pitchFamily="18" charset="0"/>
-              </a:rPr>
-              <a:t>6</a:t>
-            </a:r>
-            <a:r>
-              <a:rPr lang="en-US" sz="1400" dirty="0">
-                <a:solidFill>
-                  <a:schemeClr val="tx1"/>
-                </a:solidFill>
-                <a:latin typeface="Times New Roman" panose="02020603050405020304" pitchFamily="18" charset="0"/>
-                <a:cs typeface="Times New Roman" panose="02020603050405020304" pitchFamily="18" charset="0"/>
-              </a:rPr>
-              <a:t>.java</a:t>
+              <a:t> </a:t>
             </a:r>
             <a:endParaRPr lang="ru-RU" sz="1400" dirty="0">
               <a:solidFill>
@@ -5434,8 +5245,15 @@
                 <a:latin typeface="Times New Roman" panose="02020603050405020304" pitchFamily="18" charset="0"/>
                 <a:cs typeface="Times New Roman" panose="02020603050405020304" pitchFamily="18" charset="0"/>
               </a:rPr>
-              <a:t>Напишите программу, в которой создается одномерный символьный массив из 10 элементов. Массив заполняется буквами «через одну», начиная с буквы ' а ': то есть массив заполняется буквами 'а', 'с', ' е', 'д' и так далее. Отобразите массив в консольном окне в прямом и обратном порядке. Размер массива задается переменной.</a:t>
-            </a:r>
+              <a:t>Напишите программу со статическим методом, аргументом которому передастся символьный массив, а результатом возвращается ссылка на целочисленным массив, состоящий из кодов символов из массива- аргумента.</a:t>
+            </a:r>
+            <a:endParaRPr lang="en-US" sz="1400" dirty="0">
+              <a:solidFill>
+                <a:schemeClr val="tx1"/>
+              </a:solidFill>
+              <a:latin typeface="Times New Roman" panose="02020603050405020304" pitchFamily="18" charset="0"/>
+              <a:cs typeface="Times New Roman" panose="02020603050405020304" pitchFamily="18" charset="0"/>
+            </a:endParaRPr>
           </a:p>
           <a:p>
             <a:r>
@@ -5456,27 +5274,7 @@
                 <a:latin typeface="Times New Roman" panose="02020603050405020304" pitchFamily="18" charset="0"/>
                 <a:cs typeface="Times New Roman" panose="02020603050405020304" pitchFamily="18" charset="0"/>
               </a:rPr>
-              <a:t>https://github.com/Vladnwx/Learn2023-2024/blob/master/src/lr3/Example</a:t>
-            </a:r>
-            <a:r>
-              <a:rPr lang="ru-RU" sz="1400" dirty="0">
-                <a:solidFill>
-                  <a:schemeClr val="tx1"/>
-                </a:solidFill>
-                <a:latin typeface="Times New Roman" panose="02020603050405020304" pitchFamily="18" charset="0"/>
-                <a:cs typeface="Times New Roman" panose="02020603050405020304" pitchFamily="18" charset="0"/>
-              </a:rPr>
-              <a:t>7</a:t>
-            </a:r>
-            <a:r>
-              <a:rPr lang="en-US" sz="1400" dirty="0">
-                <a:solidFill>
-                  <a:schemeClr val="tx1"/>
-                </a:solidFill>
-                <a:latin typeface="Times New Roman" panose="02020603050405020304" pitchFamily="18" charset="0"/>
-                <a:cs typeface="Times New Roman" panose="02020603050405020304" pitchFamily="18" charset="0"/>
-              </a:rPr>
-              <a:t>.java</a:t>
+              <a:t> </a:t>
             </a:r>
             <a:endParaRPr lang="ru-RU" sz="1400" dirty="0">
               <a:solidFill>

--- a/src/lr6/РИЗ-130916у Савельев В.Н. Отчет о выполнении ЛР6.pptx
+++ b/src/lr6/РИЗ-130916у Савельев В.Н. Отчет о выполнении ЛР6.pptx
@@ -292,7 +292,7 @@
           <a:p>
             <a:fld id="{870F65BB-7DDC-4717-AF77-59A3293404C9}" type="datetimeFigureOut">
               <a:rPr lang="ru-RU" smtClean="0"/>
-              <a:t>08.12.2023</a:t>
+              <a:t>04.01.2024</a:t>
             </a:fld>
             <a:endParaRPr lang="ru-RU"/>
           </a:p>
@@ -490,7 +490,7 @@
           <a:p>
             <a:fld id="{870F65BB-7DDC-4717-AF77-59A3293404C9}" type="datetimeFigureOut">
               <a:rPr lang="ru-RU" smtClean="0"/>
-              <a:t>08.12.2023</a:t>
+              <a:t>04.01.2024</a:t>
             </a:fld>
             <a:endParaRPr lang="ru-RU"/>
           </a:p>
@@ -698,7 +698,7 @@
           <a:p>
             <a:fld id="{870F65BB-7DDC-4717-AF77-59A3293404C9}" type="datetimeFigureOut">
               <a:rPr lang="ru-RU" smtClean="0"/>
-              <a:t>08.12.2023</a:t>
+              <a:t>04.01.2024</a:t>
             </a:fld>
             <a:endParaRPr lang="ru-RU"/>
           </a:p>
@@ -896,7 +896,7 @@
           <a:p>
             <a:fld id="{870F65BB-7DDC-4717-AF77-59A3293404C9}" type="datetimeFigureOut">
               <a:rPr lang="ru-RU" smtClean="0"/>
-              <a:t>08.12.2023</a:t>
+              <a:t>04.01.2024</a:t>
             </a:fld>
             <a:endParaRPr lang="ru-RU"/>
           </a:p>
@@ -1171,7 +1171,7 @@
           <a:p>
             <a:fld id="{870F65BB-7DDC-4717-AF77-59A3293404C9}" type="datetimeFigureOut">
               <a:rPr lang="ru-RU" smtClean="0"/>
-              <a:t>08.12.2023</a:t>
+              <a:t>04.01.2024</a:t>
             </a:fld>
             <a:endParaRPr lang="ru-RU"/>
           </a:p>
@@ -1436,7 +1436,7 @@
           <a:p>
             <a:fld id="{870F65BB-7DDC-4717-AF77-59A3293404C9}" type="datetimeFigureOut">
               <a:rPr lang="ru-RU" smtClean="0"/>
-              <a:t>08.12.2023</a:t>
+              <a:t>04.01.2024</a:t>
             </a:fld>
             <a:endParaRPr lang="ru-RU"/>
           </a:p>
@@ -1848,7 +1848,7 @@
           <a:p>
             <a:fld id="{870F65BB-7DDC-4717-AF77-59A3293404C9}" type="datetimeFigureOut">
               <a:rPr lang="ru-RU" smtClean="0"/>
-              <a:t>08.12.2023</a:t>
+              <a:t>04.01.2024</a:t>
             </a:fld>
             <a:endParaRPr lang="ru-RU"/>
           </a:p>
@@ -1989,7 +1989,7 @@
           <a:p>
             <a:fld id="{870F65BB-7DDC-4717-AF77-59A3293404C9}" type="datetimeFigureOut">
               <a:rPr lang="ru-RU" smtClean="0"/>
-              <a:t>08.12.2023</a:t>
+              <a:t>04.01.2024</a:t>
             </a:fld>
             <a:endParaRPr lang="ru-RU"/>
           </a:p>
@@ -2102,7 +2102,7 @@
           <a:p>
             <a:fld id="{870F65BB-7DDC-4717-AF77-59A3293404C9}" type="datetimeFigureOut">
               <a:rPr lang="ru-RU" smtClean="0"/>
-              <a:t>08.12.2023</a:t>
+              <a:t>04.01.2024</a:t>
             </a:fld>
             <a:endParaRPr lang="ru-RU"/>
           </a:p>
@@ -2413,7 +2413,7 @@
           <a:p>
             <a:fld id="{870F65BB-7DDC-4717-AF77-59A3293404C9}" type="datetimeFigureOut">
               <a:rPr lang="ru-RU" smtClean="0"/>
-              <a:t>08.12.2023</a:t>
+              <a:t>04.01.2024</a:t>
             </a:fld>
             <a:endParaRPr lang="ru-RU"/>
           </a:p>
@@ -2701,7 +2701,7 @@
           <a:p>
             <a:fld id="{870F65BB-7DDC-4717-AF77-59A3293404C9}" type="datetimeFigureOut">
               <a:rPr lang="ru-RU" smtClean="0"/>
-              <a:t>08.12.2023</a:t>
+              <a:t>04.01.2024</a:t>
             </a:fld>
             <a:endParaRPr lang="ru-RU"/>
           </a:p>
@@ -2942,7 +2942,7 @@
           <a:p>
             <a:fld id="{870F65BB-7DDC-4717-AF77-59A3293404C9}" type="datetimeFigureOut">
               <a:rPr lang="ru-RU" smtClean="0"/>
-              <a:t>08.12.2023</a:t>
+              <a:t>04.01.2024</a:t>
             </a:fld>
             <a:endParaRPr lang="ru-RU"/>
           </a:p>
@@ -3691,6 +3691,26 @@
               </a:rPr>
               <a:t> </a:t>
             </a:r>
+            <a:r>
+              <a:rPr lang="en-US" sz="1400" dirty="0">
+                <a:solidFill>
+                  <a:schemeClr val="tx1"/>
+                </a:solidFill>
+                <a:latin typeface="Times New Roman" panose="02020603050405020304" pitchFamily="18" charset="0"/>
+                <a:cs typeface="Times New Roman" panose="02020603050405020304" pitchFamily="18" charset="0"/>
+                <a:hlinkClick r:id="rId2"/>
+              </a:rPr>
+              <a:t>https://github.com/Vladnwx/Learn2023-2024/blob/master/src/lr6/Example8.java</a:t>
+            </a:r>
+            <a:endParaRPr lang="en-US" sz="1400" dirty="0">
+              <a:solidFill>
+                <a:schemeClr val="tx1"/>
+              </a:solidFill>
+              <a:latin typeface="Times New Roman" panose="02020603050405020304" pitchFamily="18" charset="0"/>
+              <a:cs typeface="Times New Roman" panose="02020603050405020304" pitchFamily="18" charset="0"/>
+            </a:endParaRPr>
+          </a:p>
+          <a:p>
             <a:endParaRPr lang="ru-RU" sz="1400" dirty="0">
               <a:solidFill>
                 <a:schemeClr val="tx1"/>
@@ -3837,6 +3857,26 @@
               </a:rPr>
               <a:t> </a:t>
             </a:r>
+            <a:r>
+              <a:rPr lang="en-US" sz="1400" dirty="0">
+                <a:solidFill>
+                  <a:schemeClr val="tx1"/>
+                </a:solidFill>
+                <a:latin typeface="Times New Roman" panose="02020603050405020304" pitchFamily="18" charset="0"/>
+                <a:cs typeface="Times New Roman" panose="02020603050405020304" pitchFamily="18" charset="0"/>
+                <a:hlinkClick r:id="rId2"/>
+              </a:rPr>
+              <a:t>https://github.com/Vladnwx/Learn2023-2024/blob/master/src/lr6/Example9.java</a:t>
+            </a:r>
+            <a:endParaRPr lang="en-US" sz="1400" dirty="0">
+              <a:solidFill>
+                <a:schemeClr val="tx1"/>
+              </a:solidFill>
+              <a:latin typeface="Times New Roman" panose="02020603050405020304" pitchFamily="18" charset="0"/>
+              <a:cs typeface="Times New Roman" panose="02020603050405020304" pitchFamily="18" charset="0"/>
+            </a:endParaRPr>
+          </a:p>
+          <a:p>
             <a:endParaRPr lang="ru-RU" sz="1400" dirty="0">
               <a:solidFill>
                 <a:schemeClr val="tx1"/>
@@ -3954,6 +3994,46 @@
               </a:rPr>
               <a:t>Напишите программу со статическим методом, аргументом которому передается произвольное количество целочисленных аргументов. Результатом метод возвращает массив из двух элементов: это значения наибольшего и наименьшего значений среди аргументов, переданных методу.</a:t>
             </a:r>
+            <a:endParaRPr lang="en-US" sz="1400" dirty="0">
+              <a:solidFill>
+                <a:schemeClr val="tx1"/>
+              </a:solidFill>
+              <a:latin typeface="Times New Roman" panose="02020603050405020304" pitchFamily="18" charset="0"/>
+              <a:cs typeface="Times New Roman" panose="02020603050405020304" pitchFamily="18" charset="0"/>
+            </a:endParaRPr>
+          </a:p>
+          <a:p>
+            <a:r>
+              <a:rPr lang="ru-RU" sz="1400" dirty="0">
+                <a:solidFill>
+                  <a:schemeClr val="tx1"/>
+                </a:solidFill>
+                <a:latin typeface="Times New Roman" panose="02020603050405020304" pitchFamily="18" charset="0"/>
+                <a:cs typeface="Times New Roman" panose="02020603050405020304" pitchFamily="18" charset="0"/>
+              </a:rPr>
+              <a:t>Исходный код решения : </a:t>
+            </a:r>
+            <a:r>
+              <a:rPr lang="en-US" sz="1400">
+                <a:solidFill>
+                  <a:schemeClr val="tx1"/>
+                </a:solidFill>
+                <a:latin typeface="Times New Roman" panose="02020603050405020304" pitchFamily="18" charset="0"/>
+                <a:cs typeface="Times New Roman" panose="02020603050405020304" pitchFamily="18" charset="0"/>
+              </a:rPr>
+              <a:t> </a:t>
+            </a:r>
+            <a:r>
+              <a:rPr lang="en-US" sz="1400">
+                <a:solidFill>
+                  <a:schemeClr val="tx1"/>
+                </a:solidFill>
+                <a:latin typeface="Times New Roman" panose="02020603050405020304" pitchFamily="18" charset="0"/>
+                <a:cs typeface="Times New Roman" panose="02020603050405020304" pitchFamily="18" charset="0"/>
+                <a:hlinkClick r:id="rId2"/>
+              </a:rPr>
+              <a:t>https://github.com/Vladnwx/Learn2023-2024/blob/master/src/lr6/Example10.java</a:t>
+            </a:r>
             <a:endParaRPr lang="en-US" sz="1400">
               <a:solidFill>
                 <a:schemeClr val="tx1"/>
@@ -3963,36 +4043,6 @@
             </a:endParaRPr>
           </a:p>
           <a:p>
-            <a:r>
-              <a:rPr lang="ru-RU" sz="1400">
-                <a:solidFill>
-                  <a:schemeClr val="tx1"/>
-                </a:solidFill>
-                <a:latin typeface="Times New Roman" panose="02020603050405020304" pitchFamily="18" charset="0"/>
-                <a:cs typeface="Times New Roman" panose="02020603050405020304" pitchFamily="18" charset="0"/>
-              </a:rPr>
-              <a:t>Исходный </a:t>
-            </a:r>
-            <a:r>
-              <a:rPr lang="ru-RU" sz="1400" dirty="0">
-                <a:solidFill>
-                  <a:schemeClr val="tx1"/>
-                </a:solidFill>
-                <a:latin typeface="Times New Roman" panose="02020603050405020304" pitchFamily="18" charset="0"/>
-                <a:cs typeface="Times New Roman" panose="02020603050405020304" pitchFamily="18" charset="0"/>
-              </a:rPr>
-              <a:t>код решения : </a:t>
-            </a:r>
-            <a:r>
-              <a:rPr lang="en-US" sz="1400" dirty="0">
-                <a:solidFill>
-                  <a:schemeClr val="tx1"/>
-                </a:solidFill>
-                <a:latin typeface="Times New Roman" panose="02020603050405020304" pitchFamily="18" charset="0"/>
-                <a:cs typeface="Times New Roman" panose="02020603050405020304" pitchFamily="18" charset="0"/>
-              </a:rPr>
-              <a:t> </a:t>
-            </a:r>
             <a:endParaRPr lang="ru-RU" sz="1400" dirty="0">
               <a:solidFill>
                 <a:schemeClr val="tx1"/>
@@ -4380,6 +4430,26 @@
               </a:rPr>
               <a:t> </a:t>
             </a:r>
+            <a:r>
+              <a:rPr lang="en-US" sz="1400" dirty="0">
+                <a:solidFill>
+                  <a:schemeClr val="tx1"/>
+                </a:solidFill>
+                <a:latin typeface="Times New Roman" panose="02020603050405020304" pitchFamily="18" charset="0"/>
+                <a:cs typeface="Times New Roman" panose="02020603050405020304" pitchFamily="18" charset="0"/>
+                <a:hlinkClick r:id="rId2"/>
+              </a:rPr>
+              <a:t>https://github.com/Vladnwx/Learn2023-2024/blob/master/src/lr6/Example1.java</a:t>
+            </a:r>
+            <a:endParaRPr lang="en-US" sz="1400" dirty="0">
+              <a:solidFill>
+                <a:schemeClr val="tx1"/>
+              </a:solidFill>
+              <a:latin typeface="Times New Roman" panose="02020603050405020304" pitchFamily="18" charset="0"/>
+              <a:cs typeface="Times New Roman" panose="02020603050405020304" pitchFamily="18" charset="0"/>
+            </a:endParaRPr>
+          </a:p>
+          <a:p>
             <a:endParaRPr lang="ru-RU" sz="1400" dirty="0">
               <a:solidFill>
                 <a:schemeClr val="tx1"/>
@@ -4526,6 +4596,26 @@
               </a:rPr>
               <a:t> </a:t>
             </a:r>
+            <a:r>
+              <a:rPr lang="en-US" sz="1400" dirty="0">
+                <a:solidFill>
+                  <a:schemeClr val="tx1"/>
+                </a:solidFill>
+                <a:latin typeface="Times New Roman" panose="02020603050405020304" pitchFamily="18" charset="0"/>
+                <a:cs typeface="Times New Roman" panose="02020603050405020304" pitchFamily="18" charset="0"/>
+                <a:hlinkClick r:id="rId2"/>
+              </a:rPr>
+              <a:t>https://github.com/Vladnwx/Learn2023-2024/blob/master/src/lr6/Example2.java</a:t>
+            </a:r>
+            <a:endParaRPr lang="en-US" sz="1400" dirty="0">
+              <a:solidFill>
+                <a:schemeClr val="tx1"/>
+              </a:solidFill>
+              <a:latin typeface="Times New Roman" panose="02020603050405020304" pitchFamily="18" charset="0"/>
+              <a:cs typeface="Times New Roman" panose="02020603050405020304" pitchFamily="18" charset="0"/>
+            </a:endParaRPr>
+          </a:p>
+          <a:p>
             <a:endParaRPr lang="ru-RU" sz="1400" dirty="0">
               <a:solidFill>
                 <a:schemeClr val="tx1"/>
@@ -4672,6 +4762,26 @@
               </a:rPr>
               <a:t> </a:t>
             </a:r>
+            <a:r>
+              <a:rPr lang="en-US" sz="1400" dirty="0">
+                <a:solidFill>
+                  <a:schemeClr val="tx1"/>
+                </a:solidFill>
+                <a:latin typeface="Times New Roman" panose="02020603050405020304" pitchFamily="18" charset="0"/>
+                <a:cs typeface="Times New Roman" panose="02020603050405020304" pitchFamily="18" charset="0"/>
+                <a:hlinkClick r:id="rId2"/>
+              </a:rPr>
+              <a:t>https://github.com/Vladnwx/Learn2023-2024/blob/master/src/lr6/Example3.java</a:t>
+            </a:r>
+            <a:endParaRPr lang="en-US" sz="1400" dirty="0">
+              <a:solidFill>
+                <a:schemeClr val="tx1"/>
+              </a:solidFill>
+              <a:latin typeface="Times New Roman" panose="02020603050405020304" pitchFamily="18" charset="0"/>
+              <a:cs typeface="Times New Roman" panose="02020603050405020304" pitchFamily="18" charset="0"/>
+            </a:endParaRPr>
+          </a:p>
+          <a:p>
             <a:endParaRPr lang="ru-RU" sz="1400" dirty="0">
               <a:solidFill>
                 <a:schemeClr val="tx1"/>
@@ -4818,6 +4928,26 @@
               </a:rPr>
               <a:t> </a:t>
             </a:r>
+            <a:r>
+              <a:rPr lang="en-US" sz="1400" dirty="0">
+                <a:solidFill>
+                  <a:schemeClr val="tx1"/>
+                </a:solidFill>
+                <a:latin typeface="Times New Roman" panose="02020603050405020304" pitchFamily="18" charset="0"/>
+                <a:cs typeface="Times New Roman" panose="02020603050405020304" pitchFamily="18" charset="0"/>
+                <a:hlinkClick r:id="rId2"/>
+              </a:rPr>
+              <a:t>https://github.com/Vladnwx/Learn2023-2024/blob/master/src/lr6/Example4.java</a:t>
+            </a:r>
+            <a:endParaRPr lang="en-US" sz="1400" dirty="0">
+              <a:solidFill>
+                <a:schemeClr val="tx1"/>
+              </a:solidFill>
+              <a:latin typeface="Times New Roman" panose="02020603050405020304" pitchFamily="18" charset="0"/>
+              <a:cs typeface="Times New Roman" panose="02020603050405020304" pitchFamily="18" charset="0"/>
+            </a:endParaRPr>
+          </a:p>
+          <a:p>
             <a:endParaRPr lang="ru-RU" sz="1400" dirty="0">
               <a:solidFill>
                 <a:schemeClr val="tx1"/>
@@ -4984,6 +5114,26 @@
               </a:rPr>
               <a:t> </a:t>
             </a:r>
+            <a:r>
+              <a:rPr lang="en-US" sz="1400" dirty="0">
+                <a:solidFill>
+                  <a:schemeClr val="tx1"/>
+                </a:solidFill>
+                <a:latin typeface="Times New Roman" panose="02020603050405020304" pitchFamily="18" charset="0"/>
+                <a:cs typeface="Times New Roman" panose="02020603050405020304" pitchFamily="18" charset="0"/>
+                <a:hlinkClick r:id="rId2"/>
+              </a:rPr>
+              <a:t>https://github.com/Vladnwx/Learn2023-2024/blob/master/src/lr6/Example5.java</a:t>
+            </a:r>
+            <a:endParaRPr lang="en-US" sz="1400" dirty="0">
+              <a:solidFill>
+                <a:schemeClr val="tx1"/>
+              </a:solidFill>
+              <a:latin typeface="Times New Roman" panose="02020603050405020304" pitchFamily="18" charset="0"/>
+              <a:cs typeface="Times New Roman" panose="02020603050405020304" pitchFamily="18" charset="0"/>
+            </a:endParaRPr>
+          </a:p>
+          <a:p>
             <a:endParaRPr lang="ru-RU" sz="1400" dirty="0">
               <a:solidFill>
                 <a:schemeClr val="tx1"/>
@@ -5130,6 +5280,26 @@
               </a:rPr>
               <a:t> </a:t>
             </a:r>
+            <a:r>
+              <a:rPr lang="en-US" sz="1400" dirty="0">
+                <a:solidFill>
+                  <a:schemeClr val="tx1"/>
+                </a:solidFill>
+                <a:latin typeface="Times New Roman" panose="02020603050405020304" pitchFamily="18" charset="0"/>
+                <a:cs typeface="Times New Roman" panose="02020603050405020304" pitchFamily="18" charset="0"/>
+                <a:hlinkClick r:id="rId2"/>
+              </a:rPr>
+              <a:t>https://github.com/Vladnwx/Learn2023-2024/blob/master/src/lr6/Example6.java</a:t>
+            </a:r>
+            <a:endParaRPr lang="en-US" sz="1400" dirty="0">
+              <a:solidFill>
+                <a:schemeClr val="tx1"/>
+              </a:solidFill>
+              <a:latin typeface="Times New Roman" panose="02020603050405020304" pitchFamily="18" charset="0"/>
+              <a:cs typeface="Times New Roman" panose="02020603050405020304" pitchFamily="18" charset="0"/>
+            </a:endParaRPr>
+          </a:p>
+          <a:p>
             <a:endParaRPr lang="ru-RU" sz="1400" dirty="0">
               <a:solidFill>
                 <a:schemeClr val="tx1"/>
@@ -5276,6 +5446,26 @@
               </a:rPr>
               <a:t> </a:t>
             </a:r>
+            <a:r>
+              <a:rPr lang="en-US" sz="1400" dirty="0">
+                <a:solidFill>
+                  <a:schemeClr val="tx1"/>
+                </a:solidFill>
+                <a:latin typeface="Times New Roman" panose="02020603050405020304" pitchFamily="18" charset="0"/>
+                <a:cs typeface="Times New Roman" panose="02020603050405020304" pitchFamily="18" charset="0"/>
+                <a:hlinkClick r:id="rId2"/>
+              </a:rPr>
+              <a:t>https://github.com/Vladnwx/Learn2023-2024/blob/master/src/lr6/Example7.java</a:t>
+            </a:r>
+            <a:endParaRPr lang="en-US" sz="1400" dirty="0">
+              <a:solidFill>
+                <a:schemeClr val="tx1"/>
+              </a:solidFill>
+              <a:latin typeface="Times New Roman" panose="02020603050405020304" pitchFamily="18" charset="0"/>
+              <a:cs typeface="Times New Roman" panose="02020603050405020304" pitchFamily="18" charset="0"/>
+            </a:endParaRPr>
+          </a:p>
+          <a:p>
             <a:endParaRPr lang="ru-RU" sz="1400" dirty="0">
               <a:solidFill>
                 <a:schemeClr val="tx1"/>
